--- a/07_BlockIdxGridIdx.pptx
+++ b/07_BlockIdxGridIdx.pptx
@@ -6194,13 +6194,13 @@
               <a:buChar char="u"/>
             </a:pPr>
             <a:r>
-              <a:rPr lang="en-US" altLang="en-US" sz="1800" b="1" dirty="0" err="1">
+              <a:rPr lang="en-US" altLang="en-US" sz="1800" b="1">
                 <a:solidFill>
                   <a:schemeClr val="tx1"/>
                 </a:solidFill>
                 <a:cs typeface="Arial" panose="020B0604020202020204" pitchFamily="34" charset="0"/>
               </a:rPr>
-              <a:t>blockidx</a:t>
+              <a:t>blockIdx </a:t>
             </a:r>
             <a:r>
               <a:rPr lang="en-US" altLang="en-US" sz="1800" b="1" dirty="0">
@@ -6209,7 +6209,7 @@
                 </a:solidFill>
                 <a:cs typeface="Arial" panose="020B0604020202020204" pitchFamily="34" charset="0"/>
               </a:rPr>
-              <a:t> is </a:t>
+              <a:t>is </a:t>
             </a:r>
             <a:r>
               <a:rPr lang="en-US" altLang="en-US" sz="1800" b="1" dirty="0">
